--- a/ppt 16-9/0850.心愿.pptx
+++ b/ppt 16-9/0850.心愿.pptx
@@ -129,7 +129,7 @@
           <p:cNvPr id="2" name="标题 1">
             <a:extLst>
               <a:ext uri="{FF2B5EF4-FFF2-40B4-BE49-F238E27FC236}">
-                <a16:creationId xmlns:a16="http://schemas.microsoft.com/office/drawing/2014/main" id="{5A263FDB-0981-3C9F-20B7-1B95765D4EFA}"/>
+                <a16:creationId xmlns:a16="http://schemas.microsoft.com/office/drawing/2014/main" id="{1F1243A6-CEDD-8B52-8392-D64B723E02EC}"/>
               </a:ext>
             </a:extLst>
           </p:cNvPr>
@@ -166,7 +166,7 @@
           <p:cNvPr id="3" name="副标题 2">
             <a:extLst>
               <a:ext uri="{FF2B5EF4-FFF2-40B4-BE49-F238E27FC236}">
-                <a16:creationId xmlns:a16="http://schemas.microsoft.com/office/drawing/2014/main" id="{96A1DF85-C071-2CBF-C97B-E60F58378639}"/>
+                <a16:creationId xmlns:a16="http://schemas.microsoft.com/office/drawing/2014/main" id="{D119F179-3C00-0887-5802-4C7185777CD6}"/>
               </a:ext>
             </a:extLst>
           </p:cNvPr>
@@ -236,7 +236,7 @@
           <p:cNvPr id="4" name="日期占位符 3">
             <a:extLst>
               <a:ext uri="{FF2B5EF4-FFF2-40B4-BE49-F238E27FC236}">
-                <a16:creationId xmlns:a16="http://schemas.microsoft.com/office/drawing/2014/main" id="{20132576-3982-A3B0-F029-2D966A8ECC12}"/>
+                <a16:creationId xmlns:a16="http://schemas.microsoft.com/office/drawing/2014/main" id="{61E35A78-F58E-4B83-590A-63561F08D424}"/>
               </a:ext>
             </a:extLst>
           </p:cNvPr>
@@ -252,7 +252,7 @@
           <a:bodyPr/>
           <a:lstStyle/>
           <a:p>
-            <a:fld id="{E3875F88-3C9A-43EC-B313-0D06A105366C}" type="datetimeFigureOut">
+            <a:fld id="{8B31A90C-DE24-4517-A2DF-8D8656FD49A8}" type="datetimeFigureOut">
               <a:rPr lang="zh-CN" altLang="en-US" smtClean="0"/>
               <a:t>2024/3/10</a:t>
             </a:fld>
@@ -265,7 +265,7 @@
           <p:cNvPr id="5" name="页脚占位符 4">
             <a:extLst>
               <a:ext uri="{FF2B5EF4-FFF2-40B4-BE49-F238E27FC236}">
-                <a16:creationId xmlns:a16="http://schemas.microsoft.com/office/drawing/2014/main" id="{CF1B0F00-062F-BAD7-1ADD-C29DFFC5230D}"/>
+                <a16:creationId xmlns:a16="http://schemas.microsoft.com/office/drawing/2014/main" id="{FD793A6F-B1D3-3415-68D9-9EA32764DCF0}"/>
               </a:ext>
             </a:extLst>
           </p:cNvPr>
@@ -290,7 +290,7 @@
           <p:cNvPr id="6" name="灯片编号占位符 5">
             <a:extLst>
               <a:ext uri="{FF2B5EF4-FFF2-40B4-BE49-F238E27FC236}">
-                <a16:creationId xmlns:a16="http://schemas.microsoft.com/office/drawing/2014/main" id="{4F16DD9F-6E39-C6D1-1B24-08A2E1EE9D7C}"/>
+                <a16:creationId xmlns:a16="http://schemas.microsoft.com/office/drawing/2014/main" id="{92E8EF4B-1751-A70C-2B40-E7E2B759AD10}"/>
               </a:ext>
             </a:extLst>
           </p:cNvPr>
@@ -306,7 +306,7 @@
           <a:bodyPr/>
           <a:lstStyle/>
           <a:p>
-            <a:fld id="{F13D7790-4D8A-4467-9E4C-B1DA20D58DC0}" type="slidenum">
+            <a:fld id="{E1B2DA3E-BC73-4895-9561-05726321AC61}" type="slidenum">
               <a:rPr lang="zh-CN" altLang="en-US" smtClean="0"/>
               <a:t>‹#›</a:t>
             </a:fld>
@@ -317,7 +317,7 @@
     </p:spTree>
     <p:extLst>
       <p:ext uri="{BB962C8B-B14F-4D97-AF65-F5344CB8AC3E}">
-        <p14:creationId xmlns:p14="http://schemas.microsoft.com/office/powerpoint/2010/main" val="1000755294"/>
+        <p14:creationId xmlns:p14="http://schemas.microsoft.com/office/powerpoint/2010/main" val="2559579742"/>
       </p:ext>
     </p:extLst>
   </p:cSld>
@@ -349,7 +349,7 @@
           <p:cNvPr id="2" name="标题 1">
             <a:extLst>
               <a:ext uri="{FF2B5EF4-FFF2-40B4-BE49-F238E27FC236}">
-                <a16:creationId xmlns:a16="http://schemas.microsoft.com/office/drawing/2014/main" id="{7CF7528E-59A7-76CE-8F7B-676090A7A32F}"/>
+                <a16:creationId xmlns:a16="http://schemas.microsoft.com/office/drawing/2014/main" id="{348D96FE-4FA6-1FB8-6F9B-30BC2BE39221}"/>
               </a:ext>
             </a:extLst>
           </p:cNvPr>
@@ -377,7 +377,7 @@
           <p:cNvPr id="3" name="竖排文字占位符 2">
             <a:extLst>
               <a:ext uri="{FF2B5EF4-FFF2-40B4-BE49-F238E27FC236}">
-                <a16:creationId xmlns:a16="http://schemas.microsoft.com/office/drawing/2014/main" id="{F0070789-8DF9-282B-440B-7DE54FF941F8}"/>
+                <a16:creationId xmlns:a16="http://schemas.microsoft.com/office/drawing/2014/main" id="{1023D96F-2E4D-E75D-7F8A-B00684C7CE99}"/>
               </a:ext>
             </a:extLst>
           </p:cNvPr>
@@ -434,7 +434,7 @@
           <p:cNvPr id="4" name="日期占位符 3">
             <a:extLst>
               <a:ext uri="{FF2B5EF4-FFF2-40B4-BE49-F238E27FC236}">
-                <a16:creationId xmlns:a16="http://schemas.microsoft.com/office/drawing/2014/main" id="{65D0231B-7F89-A11A-1B1B-4B78667F0045}"/>
+                <a16:creationId xmlns:a16="http://schemas.microsoft.com/office/drawing/2014/main" id="{914F75B8-6D94-019F-1F61-10381E048FD3}"/>
               </a:ext>
             </a:extLst>
           </p:cNvPr>
@@ -450,7 +450,7 @@
           <a:bodyPr/>
           <a:lstStyle/>
           <a:p>
-            <a:fld id="{E3875F88-3C9A-43EC-B313-0D06A105366C}" type="datetimeFigureOut">
+            <a:fld id="{8B31A90C-DE24-4517-A2DF-8D8656FD49A8}" type="datetimeFigureOut">
               <a:rPr lang="zh-CN" altLang="en-US" smtClean="0"/>
               <a:t>2024/3/10</a:t>
             </a:fld>
@@ -463,7 +463,7 @@
           <p:cNvPr id="5" name="页脚占位符 4">
             <a:extLst>
               <a:ext uri="{FF2B5EF4-FFF2-40B4-BE49-F238E27FC236}">
-                <a16:creationId xmlns:a16="http://schemas.microsoft.com/office/drawing/2014/main" id="{5CB19C18-15CE-969D-3726-9B64CE0BD205}"/>
+                <a16:creationId xmlns:a16="http://schemas.microsoft.com/office/drawing/2014/main" id="{0A361B97-A52E-992B-C761-1912B23D319E}"/>
               </a:ext>
             </a:extLst>
           </p:cNvPr>
@@ -488,7 +488,7 @@
           <p:cNvPr id="6" name="灯片编号占位符 5">
             <a:extLst>
               <a:ext uri="{FF2B5EF4-FFF2-40B4-BE49-F238E27FC236}">
-                <a16:creationId xmlns:a16="http://schemas.microsoft.com/office/drawing/2014/main" id="{CC47BFC1-1DD3-63E7-3F91-F5912ED6AA74}"/>
+                <a16:creationId xmlns:a16="http://schemas.microsoft.com/office/drawing/2014/main" id="{7A56F585-FDE9-6301-2A85-E66D504525D5}"/>
               </a:ext>
             </a:extLst>
           </p:cNvPr>
@@ -504,7 +504,7 @@
           <a:bodyPr/>
           <a:lstStyle/>
           <a:p>
-            <a:fld id="{F13D7790-4D8A-4467-9E4C-B1DA20D58DC0}" type="slidenum">
+            <a:fld id="{E1B2DA3E-BC73-4895-9561-05726321AC61}" type="slidenum">
               <a:rPr lang="zh-CN" altLang="en-US" smtClean="0"/>
               <a:t>‹#›</a:t>
             </a:fld>
@@ -515,7 +515,7 @@
     </p:spTree>
     <p:extLst>
       <p:ext uri="{BB962C8B-B14F-4D97-AF65-F5344CB8AC3E}">
-        <p14:creationId xmlns:p14="http://schemas.microsoft.com/office/powerpoint/2010/main" val="833222033"/>
+        <p14:creationId xmlns:p14="http://schemas.microsoft.com/office/powerpoint/2010/main" val="385097314"/>
       </p:ext>
     </p:extLst>
   </p:cSld>
@@ -547,7 +547,7 @@
           <p:cNvPr id="2" name="竖排标题 1">
             <a:extLst>
               <a:ext uri="{FF2B5EF4-FFF2-40B4-BE49-F238E27FC236}">
-                <a16:creationId xmlns:a16="http://schemas.microsoft.com/office/drawing/2014/main" id="{79CD19DD-9A97-FD09-0633-FA2C88E4A6EC}"/>
+                <a16:creationId xmlns:a16="http://schemas.microsoft.com/office/drawing/2014/main" id="{1BBC7383-726F-D63D-8600-FE5C6649CD61}"/>
               </a:ext>
             </a:extLst>
           </p:cNvPr>
@@ -580,7 +580,7 @@
           <p:cNvPr id="3" name="竖排文字占位符 2">
             <a:extLst>
               <a:ext uri="{FF2B5EF4-FFF2-40B4-BE49-F238E27FC236}">
-                <a16:creationId xmlns:a16="http://schemas.microsoft.com/office/drawing/2014/main" id="{AD64A6C8-256C-F5F1-E478-12F80FA47CB6}"/>
+                <a16:creationId xmlns:a16="http://schemas.microsoft.com/office/drawing/2014/main" id="{2B67BB10-4095-EDDB-348F-48FDD2ED636B}"/>
               </a:ext>
             </a:extLst>
           </p:cNvPr>
@@ -642,7 +642,7 @@
           <p:cNvPr id="4" name="日期占位符 3">
             <a:extLst>
               <a:ext uri="{FF2B5EF4-FFF2-40B4-BE49-F238E27FC236}">
-                <a16:creationId xmlns:a16="http://schemas.microsoft.com/office/drawing/2014/main" id="{B1D40622-9B77-323E-A745-CC75C935BB80}"/>
+                <a16:creationId xmlns:a16="http://schemas.microsoft.com/office/drawing/2014/main" id="{40894125-5687-252C-F0E2-196D649DE5C3}"/>
               </a:ext>
             </a:extLst>
           </p:cNvPr>
@@ -658,7 +658,7 @@
           <a:bodyPr/>
           <a:lstStyle/>
           <a:p>
-            <a:fld id="{E3875F88-3C9A-43EC-B313-0D06A105366C}" type="datetimeFigureOut">
+            <a:fld id="{8B31A90C-DE24-4517-A2DF-8D8656FD49A8}" type="datetimeFigureOut">
               <a:rPr lang="zh-CN" altLang="en-US" smtClean="0"/>
               <a:t>2024/3/10</a:t>
             </a:fld>
@@ -671,7 +671,7 @@
           <p:cNvPr id="5" name="页脚占位符 4">
             <a:extLst>
               <a:ext uri="{FF2B5EF4-FFF2-40B4-BE49-F238E27FC236}">
-                <a16:creationId xmlns:a16="http://schemas.microsoft.com/office/drawing/2014/main" id="{15539ECE-10C7-4315-A5A2-E91D8ECFE5E1}"/>
+                <a16:creationId xmlns:a16="http://schemas.microsoft.com/office/drawing/2014/main" id="{9D2686FC-FF58-EDAA-C638-46B522CA123A}"/>
               </a:ext>
             </a:extLst>
           </p:cNvPr>
@@ -696,7 +696,7 @@
           <p:cNvPr id="6" name="灯片编号占位符 5">
             <a:extLst>
               <a:ext uri="{FF2B5EF4-FFF2-40B4-BE49-F238E27FC236}">
-                <a16:creationId xmlns:a16="http://schemas.microsoft.com/office/drawing/2014/main" id="{B50B2D81-E204-EC3A-2893-3CF3574ED9FB}"/>
+                <a16:creationId xmlns:a16="http://schemas.microsoft.com/office/drawing/2014/main" id="{49A56290-0BC3-0464-3601-C643ED561B7A}"/>
               </a:ext>
             </a:extLst>
           </p:cNvPr>
@@ -712,7 +712,7 @@
           <a:bodyPr/>
           <a:lstStyle/>
           <a:p>
-            <a:fld id="{F13D7790-4D8A-4467-9E4C-B1DA20D58DC0}" type="slidenum">
+            <a:fld id="{E1B2DA3E-BC73-4895-9561-05726321AC61}" type="slidenum">
               <a:rPr lang="zh-CN" altLang="en-US" smtClean="0"/>
               <a:t>‹#›</a:t>
             </a:fld>
@@ -723,7 +723,7 @@
     </p:spTree>
     <p:extLst>
       <p:ext uri="{BB962C8B-B14F-4D97-AF65-F5344CB8AC3E}">
-        <p14:creationId xmlns:p14="http://schemas.microsoft.com/office/powerpoint/2010/main" val="2419086685"/>
+        <p14:creationId xmlns:p14="http://schemas.microsoft.com/office/powerpoint/2010/main" val="1215475471"/>
       </p:ext>
     </p:extLst>
   </p:cSld>
@@ -755,7 +755,7 @@
           <p:cNvPr id="2" name="标题 1">
             <a:extLst>
               <a:ext uri="{FF2B5EF4-FFF2-40B4-BE49-F238E27FC236}">
-                <a16:creationId xmlns:a16="http://schemas.microsoft.com/office/drawing/2014/main" id="{34ABB735-9690-3420-2923-46700AAA6B3C}"/>
+                <a16:creationId xmlns:a16="http://schemas.microsoft.com/office/drawing/2014/main" id="{F216AFB4-3BA5-71EF-D2C4-F72C0CF203DA}"/>
               </a:ext>
             </a:extLst>
           </p:cNvPr>
@@ -783,7 +783,7 @@
           <p:cNvPr id="3" name="内容占位符 2">
             <a:extLst>
               <a:ext uri="{FF2B5EF4-FFF2-40B4-BE49-F238E27FC236}">
-                <a16:creationId xmlns:a16="http://schemas.microsoft.com/office/drawing/2014/main" id="{55F4D53F-6E49-F320-8D43-7968FFA73112}"/>
+                <a16:creationId xmlns:a16="http://schemas.microsoft.com/office/drawing/2014/main" id="{CC2AD01F-0144-430E-3E3F-57A7F4EB77ED}"/>
               </a:ext>
             </a:extLst>
           </p:cNvPr>
@@ -840,7 +840,7 @@
           <p:cNvPr id="4" name="日期占位符 3">
             <a:extLst>
               <a:ext uri="{FF2B5EF4-FFF2-40B4-BE49-F238E27FC236}">
-                <a16:creationId xmlns:a16="http://schemas.microsoft.com/office/drawing/2014/main" id="{C4A6033F-BBE1-3586-7563-4B6BD204AA28}"/>
+                <a16:creationId xmlns:a16="http://schemas.microsoft.com/office/drawing/2014/main" id="{51320F8B-B4FD-59EC-AC5F-44A3A43FC8A5}"/>
               </a:ext>
             </a:extLst>
           </p:cNvPr>
@@ -856,7 +856,7 @@
           <a:bodyPr/>
           <a:lstStyle/>
           <a:p>
-            <a:fld id="{E3875F88-3C9A-43EC-B313-0D06A105366C}" type="datetimeFigureOut">
+            <a:fld id="{8B31A90C-DE24-4517-A2DF-8D8656FD49A8}" type="datetimeFigureOut">
               <a:rPr lang="zh-CN" altLang="en-US" smtClean="0"/>
               <a:t>2024/3/10</a:t>
             </a:fld>
@@ -869,7 +869,7 @@
           <p:cNvPr id="5" name="页脚占位符 4">
             <a:extLst>
               <a:ext uri="{FF2B5EF4-FFF2-40B4-BE49-F238E27FC236}">
-                <a16:creationId xmlns:a16="http://schemas.microsoft.com/office/drawing/2014/main" id="{317F7934-06B9-E70E-8443-690FC409CA91}"/>
+                <a16:creationId xmlns:a16="http://schemas.microsoft.com/office/drawing/2014/main" id="{22007887-AEAD-6BB6-43FD-655EA04E7FE3}"/>
               </a:ext>
             </a:extLst>
           </p:cNvPr>
@@ -894,7 +894,7 @@
           <p:cNvPr id="6" name="灯片编号占位符 5">
             <a:extLst>
               <a:ext uri="{FF2B5EF4-FFF2-40B4-BE49-F238E27FC236}">
-                <a16:creationId xmlns:a16="http://schemas.microsoft.com/office/drawing/2014/main" id="{7F845CDD-CDB5-68D2-AFD5-DA12688496EB}"/>
+                <a16:creationId xmlns:a16="http://schemas.microsoft.com/office/drawing/2014/main" id="{05996CCC-F4F4-6A89-C89E-C1A44BB7CC4D}"/>
               </a:ext>
             </a:extLst>
           </p:cNvPr>
@@ -910,7 +910,7 @@
           <a:bodyPr/>
           <a:lstStyle/>
           <a:p>
-            <a:fld id="{F13D7790-4D8A-4467-9E4C-B1DA20D58DC0}" type="slidenum">
+            <a:fld id="{E1B2DA3E-BC73-4895-9561-05726321AC61}" type="slidenum">
               <a:rPr lang="zh-CN" altLang="en-US" smtClean="0"/>
               <a:t>‹#›</a:t>
             </a:fld>
@@ -921,7 +921,7 @@
     </p:spTree>
     <p:extLst>
       <p:ext uri="{BB962C8B-B14F-4D97-AF65-F5344CB8AC3E}">
-        <p14:creationId xmlns:p14="http://schemas.microsoft.com/office/powerpoint/2010/main" val="3950615887"/>
+        <p14:creationId xmlns:p14="http://schemas.microsoft.com/office/powerpoint/2010/main" val="3164334674"/>
       </p:ext>
     </p:extLst>
   </p:cSld>
@@ -953,7 +953,7 @@
           <p:cNvPr id="2" name="标题 1">
             <a:extLst>
               <a:ext uri="{FF2B5EF4-FFF2-40B4-BE49-F238E27FC236}">
-                <a16:creationId xmlns:a16="http://schemas.microsoft.com/office/drawing/2014/main" id="{40039B05-DA01-00FF-AC44-48F26563F569}"/>
+                <a16:creationId xmlns:a16="http://schemas.microsoft.com/office/drawing/2014/main" id="{6E7848D8-B988-4DBD-23DA-1A4DBABF8ED1}"/>
               </a:ext>
             </a:extLst>
           </p:cNvPr>
@@ -990,7 +990,7 @@
           <p:cNvPr id="3" name="文本占位符 2">
             <a:extLst>
               <a:ext uri="{FF2B5EF4-FFF2-40B4-BE49-F238E27FC236}">
-                <a16:creationId xmlns:a16="http://schemas.microsoft.com/office/drawing/2014/main" id="{29FD29CC-8F01-591D-BF2F-11359F797CC3}"/>
+                <a16:creationId xmlns:a16="http://schemas.microsoft.com/office/drawing/2014/main" id="{7A517C8A-7D7A-7BA9-4EC5-6170BEBF395A}"/>
               </a:ext>
             </a:extLst>
           </p:cNvPr>
@@ -1115,7 +1115,7 @@
           <p:cNvPr id="4" name="日期占位符 3">
             <a:extLst>
               <a:ext uri="{FF2B5EF4-FFF2-40B4-BE49-F238E27FC236}">
-                <a16:creationId xmlns:a16="http://schemas.microsoft.com/office/drawing/2014/main" id="{D518F2F2-1128-DBD0-0A20-F09CA27A5700}"/>
+                <a16:creationId xmlns:a16="http://schemas.microsoft.com/office/drawing/2014/main" id="{9E08B9C0-0635-BD1B-3C7C-CF36AE5942F4}"/>
               </a:ext>
             </a:extLst>
           </p:cNvPr>
@@ -1131,7 +1131,7 @@
           <a:bodyPr/>
           <a:lstStyle/>
           <a:p>
-            <a:fld id="{E3875F88-3C9A-43EC-B313-0D06A105366C}" type="datetimeFigureOut">
+            <a:fld id="{8B31A90C-DE24-4517-A2DF-8D8656FD49A8}" type="datetimeFigureOut">
               <a:rPr lang="zh-CN" altLang="en-US" smtClean="0"/>
               <a:t>2024/3/10</a:t>
             </a:fld>
@@ -1144,7 +1144,7 @@
           <p:cNvPr id="5" name="页脚占位符 4">
             <a:extLst>
               <a:ext uri="{FF2B5EF4-FFF2-40B4-BE49-F238E27FC236}">
-                <a16:creationId xmlns:a16="http://schemas.microsoft.com/office/drawing/2014/main" id="{F3BC8851-7DB4-2201-A37A-FF8D27AD0C8F}"/>
+                <a16:creationId xmlns:a16="http://schemas.microsoft.com/office/drawing/2014/main" id="{C966782A-EEE4-6A5A-55A0-8114D8A2B24D}"/>
               </a:ext>
             </a:extLst>
           </p:cNvPr>
@@ -1169,7 +1169,7 @@
           <p:cNvPr id="6" name="灯片编号占位符 5">
             <a:extLst>
               <a:ext uri="{FF2B5EF4-FFF2-40B4-BE49-F238E27FC236}">
-                <a16:creationId xmlns:a16="http://schemas.microsoft.com/office/drawing/2014/main" id="{196D427A-6C6E-3AB9-80E0-36772E5AC9C6}"/>
+                <a16:creationId xmlns:a16="http://schemas.microsoft.com/office/drawing/2014/main" id="{96D867B7-1971-9486-413D-24C65669411B}"/>
               </a:ext>
             </a:extLst>
           </p:cNvPr>
@@ -1185,7 +1185,7 @@
           <a:bodyPr/>
           <a:lstStyle/>
           <a:p>
-            <a:fld id="{F13D7790-4D8A-4467-9E4C-B1DA20D58DC0}" type="slidenum">
+            <a:fld id="{E1B2DA3E-BC73-4895-9561-05726321AC61}" type="slidenum">
               <a:rPr lang="zh-CN" altLang="en-US" smtClean="0"/>
               <a:t>‹#›</a:t>
             </a:fld>
@@ -1196,7 +1196,7 @@
     </p:spTree>
     <p:extLst>
       <p:ext uri="{BB962C8B-B14F-4D97-AF65-F5344CB8AC3E}">
-        <p14:creationId xmlns:p14="http://schemas.microsoft.com/office/powerpoint/2010/main" val="4185138073"/>
+        <p14:creationId xmlns:p14="http://schemas.microsoft.com/office/powerpoint/2010/main" val="1978129920"/>
       </p:ext>
     </p:extLst>
   </p:cSld>
@@ -1228,7 +1228,7 @@
           <p:cNvPr id="2" name="标题 1">
             <a:extLst>
               <a:ext uri="{FF2B5EF4-FFF2-40B4-BE49-F238E27FC236}">
-                <a16:creationId xmlns:a16="http://schemas.microsoft.com/office/drawing/2014/main" id="{9117D8A0-9DDD-03C5-5D11-AF5DA569942B}"/>
+                <a16:creationId xmlns:a16="http://schemas.microsoft.com/office/drawing/2014/main" id="{78F14D9B-35EB-C9EC-4715-0AD6A2434D49}"/>
               </a:ext>
             </a:extLst>
           </p:cNvPr>
@@ -1256,7 +1256,7 @@
           <p:cNvPr id="3" name="内容占位符 2">
             <a:extLst>
               <a:ext uri="{FF2B5EF4-FFF2-40B4-BE49-F238E27FC236}">
-                <a16:creationId xmlns:a16="http://schemas.microsoft.com/office/drawing/2014/main" id="{0C23D86F-F664-7E5C-B79C-A7F243651EBF}"/>
+                <a16:creationId xmlns:a16="http://schemas.microsoft.com/office/drawing/2014/main" id="{A231A92C-46CD-75D3-13A9-431AD2F35A73}"/>
               </a:ext>
             </a:extLst>
           </p:cNvPr>
@@ -1318,7 +1318,7 @@
           <p:cNvPr id="4" name="内容占位符 3">
             <a:extLst>
               <a:ext uri="{FF2B5EF4-FFF2-40B4-BE49-F238E27FC236}">
-                <a16:creationId xmlns:a16="http://schemas.microsoft.com/office/drawing/2014/main" id="{0D6A66FF-FBE6-8948-0233-48FCEEF569A7}"/>
+                <a16:creationId xmlns:a16="http://schemas.microsoft.com/office/drawing/2014/main" id="{EFA053F3-B636-7079-BA36-3CFAF6A6EE9F}"/>
               </a:ext>
             </a:extLst>
           </p:cNvPr>
@@ -1380,7 +1380,7 @@
           <p:cNvPr id="5" name="日期占位符 4">
             <a:extLst>
               <a:ext uri="{FF2B5EF4-FFF2-40B4-BE49-F238E27FC236}">
-                <a16:creationId xmlns:a16="http://schemas.microsoft.com/office/drawing/2014/main" id="{81C94F78-8C82-6182-B20B-1C3FF8FC05FB}"/>
+                <a16:creationId xmlns:a16="http://schemas.microsoft.com/office/drawing/2014/main" id="{FCCC2BF3-B7DB-4241-E2AD-DC58C901235B}"/>
               </a:ext>
             </a:extLst>
           </p:cNvPr>
@@ -1396,7 +1396,7 @@
           <a:bodyPr/>
           <a:lstStyle/>
           <a:p>
-            <a:fld id="{E3875F88-3C9A-43EC-B313-0D06A105366C}" type="datetimeFigureOut">
+            <a:fld id="{8B31A90C-DE24-4517-A2DF-8D8656FD49A8}" type="datetimeFigureOut">
               <a:rPr lang="zh-CN" altLang="en-US" smtClean="0"/>
               <a:t>2024/3/10</a:t>
             </a:fld>
@@ -1409,7 +1409,7 @@
           <p:cNvPr id="6" name="页脚占位符 5">
             <a:extLst>
               <a:ext uri="{FF2B5EF4-FFF2-40B4-BE49-F238E27FC236}">
-                <a16:creationId xmlns:a16="http://schemas.microsoft.com/office/drawing/2014/main" id="{7363F353-46D3-C6A0-979B-FA7D361C2044}"/>
+                <a16:creationId xmlns:a16="http://schemas.microsoft.com/office/drawing/2014/main" id="{87C36545-BF54-4CD6-0A00-EDC7B77F5263}"/>
               </a:ext>
             </a:extLst>
           </p:cNvPr>
@@ -1434,7 +1434,7 @@
           <p:cNvPr id="7" name="灯片编号占位符 6">
             <a:extLst>
               <a:ext uri="{FF2B5EF4-FFF2-40B4-BE49-F238E27FC236}">
-                <a16:creationId xmlns:a16="http://schemas.microsoft.com/office/drawing/2014/main" id="{F9CB4761-FBE8-D7A8-D4CB-6108E9AB119A}"/>
+                <a16:creationId xmlns:a16="http://schemas.microsoft.com/office/drawing/2014/main" id="{7312B1E3-60E2-1C2B-67AB-768A4EDE15B2}"/>
               </a:ext>
             </a:extLst>
           </p:cNvPr>
@@ -1450,7 +1450,7 @@
           <a:bodyPr/>
           <a:lstStyle/>
           <a:p>
-            <a:fld id="{F13D7790-4D8A-4467-9E4C-B1DA20D58DC0}" type="slidenum">
+            <a:fld id="{E1B2DA3E-BC73-4895-9561-05726321AC61}" type="slidenum">
               <a:rPr lang="zh-CN" altLang="en-US" smtClean="0"/>
               <a:t>‹#›</a:t>
             </a:fld>
@@ -1461,7 +1461,7 @@
     </p:spTree>
     <p:extLst>
       <p:ext uri="{BB962C8B-B14F-4D97-AF65-F5344CB8AC3E}">
-        <p14:creationId xmlns:p14="http://schemas.microsoft.com/office/powerpoint/2010/main" val="3737896481"/>
+        <p14:creationId xmlns:p14="http://schemas.microsoft.com/office/powerpoint/2010/main" val="3803558423"/>
       </p:ext>
     </p:extLst>
   </p:cSld>
@@ -1493,7 +1493,7 @@
           <p:cNvPr id="2" name="标题 1">
             <a:extLst>
               <a:ext uri="{FF2B5EF4-FFF2-40B4-BE49-F238E27FC236}">
-                <a16:creationId xmlns:a16="http://schemas.microsoft.com/office/drawing/2014/main" id="{59194CE1-FDA8-9EA8-DEF5-01554B8CB980}"/>
+                <a16:creationId xmlns:a16="http://schemas.microsoft.com/office/drawing/2014/main" id="{D0C1A3A1-44F9-04C5-4065-DAF843F4885A}"/>
               </a:ext>
             </a:extLst>
           </p:cNvPr>
@@ -1526,7 +1526,7 @@
           <p:cNvPr id="3" name="文本占位符 2">
             <a:extLst>
               <a:ext uri="{FF2B5EF4-FFF2-40B4-BE49-F238E27FC236}">
-                <a16:creationId xmlns:a16="http://schemas.microsoft.com/office/drawing/2014/main" id="{51335A56-53D4-8332-C6A5-7110394A6514}"/>
+                <a16:creationId xmlns:a16="http://schemas.microsoft.com/office/drawing/2014/main" id="{8C2292A0-390B-87B1-5D74-E3643D76BFA5}"/>
               </a:ext>
             </a:extLst>
           </p:cNvPr>
@@ -1597,7 +1597,7 @@
           <p:cNvPr id="4" name="内容占位符 3">
             <a:extLst>
               <a:ext uri="{FF2B5EF4-FFF2-40B4-BE49-F238E27FC236}">
-                <a16:creationId xmlns:a16="http://schemas.microsoft.com/office/drawing/2014/main" id="{E978EC31-6345-051B-7BE9-C54C7ABA3305}"/>
+                <a16:creationId xmlns:a16="http://schemas.microsoft.com/office/drawing/2014/main" id="{19FB9E8F-F0D4-A14E-39C1-B601C5E7E0F0}"/>
               </a:ext>
             </a:extLst>
           </p:cNvPr>
@@ -1659,7 +1659,7 @@
           <p:cNvPr id="5" name="文本占位符 4">
             <a:extLst>
               <a:ext uri="{FF2B5EF4-FFF2-40B4-BE49-F238E27FC236}">
-                <a16:creationId xmlns:a16="http://schemas.microsoft.com/office/drawing/2014/main" id="{FCFE3993-3ED9-D183-9A44-928477B2C81F}"/>
+                <a16:creationId xmlns:a16="http://schemas.microsoft.com/office/drawing/2014/main" id="{56867A5F-3999-B5C5-3B16-7DB096862169}"/>
               </a:ext>
             </a:extLst>
           </p:cNvPr>
@@ -1730,7 +1730,7 @@
           <p:cNvPr id="6" name="内容占位符 5">
             <a:extLst>
               <a:ext uri="{FF2B5EF4-FFF2-40B4-BE49-F238E27FC236}">
-                <a16:creationId xmlns:a16="http://schemas.microsoft.com/office/drawing/2014/main" id="{A8D27ACC-18E2-6E6A-E3C5-B5D1685B95FB}"/>
+                <a16:creationId xmlns:a16="http://schemas.microsoft.com/office/drawing/2014/main" id="{FA413322-4496-110E-CC1C-C9EFEBCC5034}"/>
               </a:ext>
             </a:extLst>
           </p:cNvPr>
@@ -1792,7 +1792,7 @@
           <p:cNvPr id="7" name="日期占位符 6">
             <a:extLst>
               <a:ext uri="{FF2B5EF4-FFF2-40B4-BE49-F238E27FC236}">
-                <a16:creationId xmlns:a16="http://schemas.microsoft.com/office/drawing/2014/main" id="{FA9F3885-035C-C572-EC8A-3F68F4B5525A}"/>
+                <a16:creationId xmlns:a16="http://schemas.microsoft.com/office/drawing/2014/main" id="{EA85A67F-397A-CFA5-EB8A-ECC5EC114898}"/>
               </a:ext>
             </a:extLst>
           </p:cNvPr>
@@ -1808,7 +1808,7 @@
           <a:bodyPr/>
           <a:lstStyle/>
           <a:p>
-            <a:fld id="{E3875F88-3C9A-43EC-B313-0D06A105366C}" type="datetimeFigureOut">
+            <a:fld id="{8B31A90C-DE24-4517-A2DF-8D8656FD49A8}" type="datetimeFigureOut">
               <a:rPr lang="zh-CN" altLang="en-US" smtClean="0"/>
               <a:t>2024/3/10</a:t>
             </a:fld>
@@ -1821,7 +1821,7 @@
           <p:cNvPr id="8" name="页脚占位符 7">
             <a:extLst>
               <a:ext uri="{FF2B5EF4-FFF2-40B4-BE49-F238E27FC236}">
-                <a16:creationId xmlns:a16="http://schemas.microsoft.com/office/drawing/2014/main" id="{9EF0CA71-3CFC-6C88-C7DB-716FB5CC2F47}"/>
+                <a16:creationId xmlns:a16="http://schemas.microsoft.com/office/drawing/2014/main" id="{39EA7256-46DD-4F9D-E335-9F409CDF4625}"/>
               </a:ext>
             </a:extLst>
           </p:cNvPr>
@@ -1846,7 +1846,7 @@
           <p:cNvPr id="9" name="灯片编号占位符 8">
             <a:extLst>
               <a:ext uri="{FF2B5EF4-FFF2-40B4-BE49-F238E27FC236}">
-                <a16:creationId xmlns:a16="http://schemas.microsoft.com/office/drawing/2014/main" id="{974A1980-862B-087B-A184-831CB4BB2720}"/>
+                <a16:creationId xmlns:a16="http://schemas.microsoft.com/office/drawing/2014/main" id="{01A15F07-6E1C-72E0-CC6A-77912CF0E6E0}"/>
               </a:ext>
             </a:extLst>
           </p:cNvPr>
@@ -1862,7 +1862,7 @@
           <a:bodyPr/>
           <a:lstStyle/>
           <a:p>
-            <a:fld id="{F13D7790-4D8A-4467-9E4C-B1DA20D58DC0}" type="slidenum">
+            <a:fld id="{E1B2DA3E-BC73-4895-9561-05726321AC61}" type="slidenum">
               <a:rPr lang="zh-CN" altLang="en-US" smtClean="0"/>
               <a:t>‹#›</a:t>
             </a:fld>
@@ -1873,7 +1873,7 @@
     </p:spTree>
     <p:extLst>
       <p:ext uri="{BB962C8B-B14F-4D97-AF65-F5344CB8AC3E}">
-        <p14:creationId xmlns:p14="http://schemas.microsoft.com/office/powerpoint/2010/main" val="2723147563"/>
+        <p14:creationId xmlns:p14="http://schemas.microsoft.com/office/powerpoint/2010/main" val="3125560037"/>
       </p:ext>
     </p:extLst>
   </p:cSld>
@@ -1905,7 +1905,7 @@
           <p:cNvPr id="2" name="标题 1">
             <a:extLst>
               <a:ext uri="{FF2B5EF4-FFF2-40B4-BE49-F238E27FC236}">
-                <a16:creationId xmlns:a16="http://schemas.microsoft.com/office/drawing/2014/main" id="{F574113D-B52D-B601-75E8-17FEA99F7562}"/>
+                <a16:creationId xmlns:a16="http://schemas.microsoft.com/office/drawing/2014/main" id="{2BE4D435-A72F-0575-4C07-EE6A6D9199BD}"/>
               </a:ext>
             </a:extLst>
           </p:cNvPr>
@@ -1933,7 +1933,7 @@
           <p:cNvPr id="3" name="日期占位符 2">
             <a:extLst>
               <a:ext uri="{FF2B5EF4-FFF2-40B4-BE49-F238E27FC236}">
-                <a16:creationId xmlns:a16="http://schemas.microsoft.com/office/drawing/2014/main" id="{F960905E-91C3-6FFA-A388-A4384EEED568}"/>
+                <a16:creationId xmlns:a16="http://schemas.microsoft.com/office/drawing/2014/main" id="{FF47BC7E-C76C-E71E-CA0B-32CA5ADC8EBF}"/>
               </a:ext>
             </a:extLst>
           </p:cNvPr>
@@ -1949,7 +1949,7 @@
           <a:bodyPr/>
           <a:lstStyle/>
           <a:p>
-            <a:fld id="{E3875F88-3C9A-43EC-B313-0D06A105366C}" type="datetimeFigureOut">
+            <a:fld id="{8B31A90C-DE24-4517-A2DF-8D8656FD49A8}" type="datetimeFigureOut">
               <a:rPr lang="zh-CN" altLang="en-US" smtClean="0"/>
               <a:t>2024/3/10</a:t>
             </a:fld>
@@ -1962,7 +1962,7 @@
           <p:cNvPr id="4" name="页脚占位符 3">
             <a:extLst>
               <a:ext uri="{FF2B5EF4-FFF2-40B4-BE49-F238E27FC236}">
-                <a16:creationId xmlns:a16="http://schemas.microsoft.com/office/drawing/2014/main" id="{20131F69-CD95-5BB0-33B3-3985259B0663}"/>
+                <a16:creationId xmlns:a16="http://schemas.microsoft.com/office/drawing/2014/main" id="{927D0D60-29B1-2C3A-1F52-30116D71CC41}"/>
               </a:ext>
             </a:extLst>
           </p:cNvPr>
@@ -1987,7 +1987,7 @@
           <p:cNvPr id="5" name="灯片编号占位符 4">
             <a:extLst>
               <a:ext uri="{FF2B5EF4-FFF2-40B4-BE49-F238E27FC236}">
-                <a16:creationId xmlns:a16="http://schemas.microsoft.com/office/drawing/2014/main" id="{774BE1CE-083E-15B3-647F-CF72106727AD}"/>
+                <a16:creationId xmlns:a16="http://schemas.microsoft.com/office/drawing/2014/main" id="{9B179979-4FD9-9A97-5237-AE3193112CD4}"/>
               </a:ext>
             </a:extLst>
           </p:cNvPr>
@@ -2003,7 +2003,7 @@
           <a:bodyPr/>
           <a:lstStyle/>
           <a:p>
-            <a:fld id="{F13D7790-4D8A-4467-9E4C-B1DA20D58DC0}" type="slidenum">
+            <a:fld id="{E1B2DA3E-BC73-4895-9561-05726321AC61}" type="slidenum">
               <a:rPr lang="zh-CN" altLang="en-US" smtClean="0"/>
               <a:t>‹#›</a:t>
             </a:fld>
@@ -2014,7 +2014,7 @@
     </p:spTree>
     <p:extLst>
       <p:ext uri="{BB962C8B-B14F-4D97-AF65-F5344CB8AC3E}">
-        <p14:creationId xmlns:p14="http://schemas.microsoft.com/office/powerpoint/2010/main" val="3822346201"/>
+        <p14:creationId xmlns:p14="http://schemas.microsoft.com/office/powerpoint/2010/main" val="3631408383"/>
       </p:ext>
     </p:extLst>
   </p:cSld>
@@ -2046,7 +2046,7 @@
           <p:cNvPr id="2" name="日期占位符 1">
             <a:extLst>
               <a:ext uri="{FF2B5EF4-FFF2-40B4-BE49-F238E27FC236}">
-                <a16:creationId xmlns:a16="http://schemas.microsoft.com/office/drawing/2014/main" id="{48E76AA8-4D37-0221-DC35-F6D7D3220341}"/>
+                <a16:creationId xmlns:a16="http://schemas.microsoft.com/office/drawing/2014/main" id="{BF67EE5A-A0BC-E004-6EE9-049820B5123C}"/>
               </a:ext>
             </a:extLst>
           </p:cNvPr>
@@ -2062,7 +2062,7 @@
           <a:bodyPr/>
           <a:lstStyle/>
           <a:p>
-            <a:fld id="{E3875F88-3C9A-43EC-B313-0D06A105366C}" type="datetimeFigureOut">
+            <a:fld id="{8B31A90C-DE24-4517-A2DF-8D8656FD49A8}" type="datetimeFigureOut">
               <a:rPr lang="zh-CN" altLang="en-US" smtClean="0"/>
               <a:t>2024/3/10</a:t>
             </a:fld>
@@ -2075,7 +2075,7 @@
           <p:cNvPr id="3" name="页脚占位符 2">
             <a:extLst>
               <a:ext uri="{FF2B5EF4-FFF2-40B4-BE49-F238E27FC236}">
-                <a16:creationId xmlns:a16="http://schemas.microsoft.com/office/drawing/2014/main" id="{44199D1F-6817-DF27-524A-2C47D080D943}"/>
+                <a16:creationId xmlns:a16="http://schemas.microsoft.com/office/drawing/2014/main" id="{9557F793-B3C5-F856-8D03-2BECA0BEB0F0}"/>
               </a:ext>
             </a:extLst>
           </p:cNvPr>
@@ -2100,7 +2100,7 @@
           <p:cNvPr id="4" name="灯片编号占位符 3">
             <a:extLst>
               <a:ext uri="{FF2B5EF4-FFF2-40B4-BE49-F238E27FC236}">
-                <a16:creationId xmlns:a16="http://schemas.microsoft.com/office/drawing/2014/main" id="{D342EECD-42F7-FFA9-02FB-95048EC4C122}"/>
+                <a16:creationId xmlns:a16="http://schemas.microsoft.com/office/drawing/2014/main" id="{5922C316-7D32-2313-D4EB-4A9AC7E75930}"/>
               </a:ext>
             </a:extLst>
           </p:cNvPr>
@@ -2116,7 +2116,7 @@
           <a:bodyPr/>
           <a:lstStyle/>
           <a:p>
-            <a:fld id="{F13D7790-4D8A-4467-9E4C-B1DA20D58DC0}" type="slidenum">
+            <a:fld id="{E1B2DA3E-BC73-4895-9561-05726321AC61}" type="slidenum">
               <a:rPr lang="zh-CN" altLang="en-US" smtClean="0"/>
               <a:t>‹#›</a:t>
             </a:fld>
@@ -2127,7 +2127,7 @@
     </p:spTree>
     <p:extLst>
       <p:ext uri="{BB962C8B-B14F-4D97-AF65-F5344CB8AC3E}">
-        <p14:creationId xmlns:p14="http://schemas.microsoft.com/office/powerpoint/2010/main" val="3145298657"/>
+        <p14:creationId xmlns:p14="http://schemas.microsoft.com/office/powerpoint/2010/main" val="1468242038"/>
       </p:ext>
     </p:extLst>
   </p:cSld>
@@ -2159,7 +2159,7 @@
           <p:cNvPr id="2" name="标题 1">
             <a:extLst>
               <a:ext uri="{FF2B5EF4-FFF2-40B4-BE49-F238E27FC236}">
-                <a16:creationId xmlns:a16="http://schemas.microsoft.com/office/drawing/2014/main" id="{4958C862-C7DA-E100-525D-1A3698568321}"/>
+                <a16:creationId xmlns:a16="http://schemas.microsoft.com/office/drawing/2014/main" id="{BDD4F68C-03DC-B21C-4E99-4367B163F7A0}"/>
               </a:ext>
             </a:extLst>
           </p:cNvPr>
@@ -2196,7 +2196,7 @@
           <p:cNvPr id="3" name="内容占位符 2">
             <a:extLst>
               <a:ext uri="{FF2B5EF4-FFF2-40B4-BE49-F238E27FC236}">
-                <a16:creationId xmlns:a16="http://schemas.microsoft.com/office/drawing/2014/main" id="{2F0A9C35-EC9A-7107-FEF2-4AE0A121A4F5}"/>
+                <a16:creationId xmlns:a16="http://schemas.microsoft.com/office/drawing/2014/main" id="{D5977E71-2078-B39A-0E4C-B595E9C8F3CC}"/>
               </a:ext>
             </a:extLst>
           </p:cNvPr>
@@ -2286,7 +2286,7 @@
           <p:cNvPr id="4" name="文本占位符 3">
             <a:extLst>
               <a:ext uri="{FF2B5EF4-FFF2-40B4-BE49-F238E27FC236}">
-                <a16:creationId xmlns:a16="http://schemas.microsoft.com/office/drawing/2014/main" id="{8AA8564F-3D51-8FE5-0811-91A1454346BA}"/>
+                <a16:creationId xmlns:a16="http://schemas.microsoft.com/office/drawing/2014/main" id="{E52BD8C9-21DF-AC9D-9B7B-F4E5B02E101F}"/>
               </a:ext>
             </a:extLst>
           </p:cNvPr>
@@ -2357,7 +2357,7 @@
           <p:cNvPr id="5" name="日期占位符 4">
             <a:extLst>
               <a:ext uri="{FF2B5EF4-FFF2-40B4-BE49-F238E27FC236}">
-                <a16:creationId xmlns:a16="http://schemas.microsoft.com/office/drawing/2014/main" id="{6B021D1F-08E7-A37C-63B6-6B20BC58FEA9}"/>
+                <a16:creationId xmlns:a16="http://schemas.microsoft.com/office/drawing/2014/main" id="{46F40705-E844-0ADC-C3A1-14FB98C5B6B1}"/>
               </a:ext>
             </a:extLst>
           </p:cNvPr>
@@ -2373,7 +2373,7 @@
           <a:bodyPr/>
           <a:lstStyle/>
           <a:p>
-            <a:fld id="{E3875F88-3C9A-43EC-B313-0D06A105366C}" type="datetimeFigureOut">
+            <a:fld id="{8B31A90C-DE24-4517-A2DF-8D8656FD49A8}" type="datetimeFigureOut">
               <a:rPr lang="zh-CN" altLang="en-US" smtClean="0"/>
               <a:t>2024/3/10</a:t>
             </a:fld>
@@ -2386,7 +2386,7 @@
           <p:cNvPr id="6" name="页脚占位符 5">
             <a:extLst>
               <a:ext uri="{FF2B5EF4-FFF2-40B4-BE49-F238E27FC236}">
-                <a16:creationId xmlns:a16="http://schemas.microsoft.com/office/drawing/2014/main" id="{77C147ED-417A-127C-241F-850738BA0953}"/>
+                <a16:creationId xmlns:a16="http://schemas.microsoft.com/office/drawing/2014/main" id="{02EFD671-4D0E-E169-62C1-8BA02DAFA67B}"/>
               </a:ext>
             </a:extLst>
           </p:cNvPr>
@@ -2411,7 +2411,7 @@
           <p:cNvPr id="7" name="灯片编号占位符 6">
             <a:extLst>
               <a:ext uri="{FF2B5EF4-FFF2-40B4-BE49-F238E27FC236}">
-                <a16:creationId xmlns:a16="http://schemas.microsoft.com/office/drawing/2014/main" id="{F58C33A0-EC57-FD20-F8F3-80353E9EF497}"/>
+                <a16:creationId xmlns:a16="http://schemas.microsoft.com/office/drawing/2014/main" id="{4E0AF598-D60C-1DA2-2B4E-19B77979257D}"/>
               </a:ext>
             </a:extLst>
           </p:cNvPr>
@@ -2427,7 +2427,7 @@
           <a:bodyPr/>
           <a:lstStyle/>
           <a:p>
-            <a:fld id="{F13D7790-4D8A-4467-9E4C-B1DA20D58DC0}" type="slidenum">
+            <a:fld id="{E1B2DA3E-BC73-4895-9561-05726321AC61}" type="slidenum">
               <a:rPr lang="zh-CN" altLang="en-US" smtClean="0"/>
               <a:t>‹#›</a:t>
             </a:fld>
@@ -2438,7 +2438,7 @@
     </p:spTree>
     <p:extLst>
       <p:ext uri="{BB962C8B-B14F-4D97-AF65-F5344CB8AC3E}">
-        <p14:creationId xmlns:p14="http://schemas.microsoft.com/office/powerpoint/2010/main" val="1018925775"/>
+        <p14:creationId xmlns:p14="http://schemas.microsoft.com/office/powerpoint/2010/main" val="4178315895"/>
       </p:ext>
     </p:extLst>
   </p:cSld>
@@ -2470,7 +2470,7 @@
           <p:cNvPr id="2" name="标题 1">
             <a:extLst>
               <a:ext uri="{FF2B5EF4-FFF2-40B4-BE49-F238E27FC236}">
-                <a16:creationId xmlns:a16="http://schemas.microsoft.com/office/drawing/2014/main" id="{FB6AD0E6-05E5-F358-D168-CC02A5C80777}"/>
+                <a16:creationId xmlns:a16="http://schemas.microsoft.com/office/drawing/2014/main" id="{0F94819F-AF7D-6BD3-4970-4DFFBBDF52F8}"/>
               </a:ext>
             </a:extLst>
           </p:cNvPr>
@@ -2507,7 +2507,7 @@
           <p:cNvPr id="3" name="图片占位符 2">
             <a:extLst>
               <a:ext uri="{FF2B5EF4-FFF2-40B4-BE49-F238E27FC236}">
-                <a16:creationId xmlns:a16="http://schemas.microsoft.com/office/drawing/2014/main" id="{D9174AB0-1925-6EE9-2144-A3D61509B169}"/>
+                <a16:creationId xmlns:a16="http://schemas.microsoft.com/office/drawing/2014/main" id="{79847010-0DE7-39BA-8A25-1CEA4DCCD66D}"/>
               </a:ext>
             </a:extLst>
           </p:cNvPr>
@@ -2574,7 +2574,7 @@
           <p:cNvPr id="4" name="文本占位符 3">
             <a:extLst>
               <a:ext uri="{FF2B5EF4-FFF2-40B4-BE49-F238E27FC236}">
-                <a16:creationId xmlns:a16="http://schemas.microsoft.com/office/drawing/2014/main" id="{18594D4F-E266-218A-8913-077D51BF8694}"/>
+                <a16:creationId xmlns:a16="http://schemas.microsoft.com/office/drawing/2014/main" id="{DD8CB4E1-B61C-72C1-DB08-1901579B7232}"/>
               </a:ext>
             </a:extLst>
           </p:cNvPr>
@@ -2645,7 +2645,7 @@
           <p:cNvPr id="5" name="日期占位符 4">
             <a:extLst>
               <a:ext uri="{FF2B5EF4-FFF2-40B4-BE49-F238E27FC236}">
-                <a16:creationId xmlns:a16="http://schemas.microsoft.com/office/drawing/2014/main" id="{7C0D86FA-C679-F84E-1BDD-02D777C01209}"/>
+                <a16:creationId xmlns:a16="http://schemas.microsoft.com/office/drawing/2014/main" id="{A8D17EE6-2F38-F46E-2AE3-93774997AB34}"/>
               </a:ext>
             </a:extLst>
           </p:cNvPr>
@@ -2661,7 +2661,7 @@
           <a:bodyPr/>
           <a:lstStyle/>
           <a:p>
-            <a:fld id="{E3875F88-3C9A-43EC-B313-0D06A105366C}" type="datetimeFigureOut">
+            <a:fld id="{8B31A90C-DE24-4517-A2DF-8D8656FD49A8}" type="datetimeFigureOut">
               <a:rPr lang="zh-CN" altLang="en-US" smtClean="0"/>
               <a:t>2024/3/10</a:t>
             </a:fld>
@@ -2674,7 +2674,7 @@
           <p:cNvPr id="6" name="页脚占位符 5">
             <a:extLst>
               <a:ext uri="{FF2B5EF4-FFF2-40B4-BE49-F238E27FC236}">
-                <a16:creationId xmlns:a16="http://schemas.microsoft.com/office/drawing/2014/main" id="{101FA12E-F75A-A8A1-3159-5770CE295691}"/>
+                <a16:creationId xmlns:a16="http://schemas.microsoft.com/office/drawing/2014/main" id="{8F2052E0-1973-C94B-591E-305EC3A0B567}"/>
               </a:ext>
             </a:extLst>
           </p:cNvPr>
@@ -2699,7 +2699,7 @@
           <p:cNvPr id="7" name="灯片编号占位符 6">
             <a:extLst>
               <a:ext uri="{FF2B5EF4-FFF2-40B4-BE49-F238E27FC236}">
-                <a16:creationId xmlns:a16="http://schemas.microsoft.com/office/drawing/2014/main" id="{3B648531-511E-2492-B040-071FBD9662C2}"/>
+                <a16:creationId xmlns:a16="http://schemas.microsoft.com/office/drawing/2014/main" id="{AD290D28-2AB2-7A48-B94D-A8180D7DF1E7}"/>
               </a:ext>
             </a:extLst>
           </p:cNvPr>
@@ -2715,7 +2715,7 @@
           <a:bodyPr/>
           <a:lstStyle/>
           <a:p>
-            <a:fld id="{F13D7790-4D8A-4467-9E4C-B1DA20D58DC0}" type="slidenum">
+            <a:fld id="{E1B2DA3E-BC73-4895-9561-05726321AC61}" type="slidenum">
               <a:rPr lang="zh-CN" altLang="en-US" smtClean="0"/>
               <a:t>‹#›</a:t>
             </a:fld>
@@ -2726,7 +2726,7 @@
     </p:spTree>
     <p:extLst>
       <p:ext uri="{BB962C8B-B14F-4D97-AF65-F5344CB8AC3E}">
-        <p14:creationId xmlns:p14="http://schemas.microsoft.com/office/powerpoint/2010/main" val="1829413474"/>
+        <p14:creationId xmlns:p14="http://schemas.microsoft.com/office/powerpoint/2010/main" val="222978089"/>
       </p:ext>
     </p:extLst>
   </p:cSld>
@@ -2763,7 +2763,7 @@
           <p:cNvPr id="2" name="标题占位符 1">
             <a:extLst>
               <a:ext uri="{FF2B5EF4-FFF2-40B4-BE49-F238E27FC236}">
-                <a16:creationId xmlns:a16="http://schemas.microsoft.com/office/drawing/2014/main" id="{2A44F09B-4369-E695-8A55-B40D0358EF87}"/>
+                <a16:creationId xmlns:a16="http://schemas.microsoft.com/office/drawing/2014/main" id="{C2CC83F3-59F3-E257-D41C-FB7FA520CF32}"/>
               </a:ext>
             </a:extLst>
           </p:cNvPr>
@@ -2801,7 +2801,7 @@
           <p:cNvPr id="3" name="文本占位符 2">
             <a:extLst>
               <a:ext uri="{FF2B5EF4-FFF2-40B4-BE49-F238E27FC236}">
-                <a16:creationId xmlns:a16="http://schemas.microsoft.com/office/drawing/2014/main" id="{A56A9C72-DCE8-5941-6C57-669BC30ED65E}"/>
+                <a16:creationId xmlns:a16="http://schemas.microsoft.com/office/drawing/2014/main" id="{7296BC09-4FEA-77A3-D927-AF12390F04B4}"/>
               </a:ext>
             </a:extLst>
           </p:cNvPr>
@@ -2868,7 +2868,7 @@
           <p:cNvPr id="4" name="日期占位符 3">
             <a:extLst>
               <a:ext uri="{FF2B5EF4-FFF2-40B4-BE49-F238E27FC236}">
-                <a16:creationId xmlns:a16="http://schemas.microsoft.com/office/drawing/2014/main" id="{17811D9A-A489-7555-AADC-C0B67F4BE3B0}"/>
+                <a16:creationId xmlns:a16="http://schemas.microsoft.com/office/drawing/2014/main" id="{161DF087-8227-D4A4-FE2C-BD8E2517ED32}"/>
               </a:ext>
             </a:extLst>
           </p:cNvPr>
@@ -2902,7 +2902,7 @@
             </a:lvl1pPr>
           </a:lstStyle>
           <a:p>
-            <a:fld id="{E3875F88-3C9A-43EC-B313-0D06A105366C}" type="datetimeFigureOut">
+            <a:fld id="{8B31A90C-DE24-4517-A2DF-8D8656FD49A8}" type="datetimeFigureOut">
               <a:rPr lang="zh-CN" altLang="en-US" smtClean="0"/>
               <a:t>2024/3/10</a:t>
             </a:fld>
@@ -2915,7 +2915,7 @@
           <p:cNvPr id="5" name="页脚占位符 4">
             <a:extLst>
               <a:ext uri="{FF2B5EF4-FFF2-40B4-BE49-F238E27FC236}">
-                <a16:creationId xmlns:a16="http://schemas.microsoft.com/office/drawing/2014/main" id="{99AE0011-A8AF-76F9-525C-4099E1E01A88}"/>
+                <a16:creationId xmlns:a16="http://schemas.microsoft.com/office/drawing/2014/main" id="{F6592684-2BC2-6077-58B3-F2C8EB323EBC}"/>
               </a:ext>
             </a:extLst>
           </p:cNvPr>
@@ -2958,7 +2958,7 @@
           <p:cNvPr id="6" name="灯片编号占位符 5">
             <a:extLst>
               <a:ext uri="{FF2B5EF4-FFF2-40B4-BE49-F238E27FC236}">
-                <a16:creationId xmlns:a16="http://schemas.microsoft.com/office/drawing/2014/main" id="{745E1D30-D5F9-1665-E764-06B937EDAF69}"/>
+                <a16:creationId xmlns:a16="http://schemas.microsoft.com/office/drawing/2014/main" id="{6DD71628-8D0A-C17C-4B76-88E35FD299EF}"/>
               </a:ext>
             </a:extLst>
           </p:cNvPr>
@@ -2992,7 +2992,7 @@
             </a:lvl1pPr>
           </a:lstStyle>
           <a:p>
-            <a:fld id="{F13D7790-4D8A-4467-9E4C-B1DA20D58DC0}" type="slidenum">
+            <a:fld id="{E1B2DA3E-BC73-4895-9561-05726321AC61}" type="slidenum">
               <a:rPr lang="zh-CN" altLang="en-US" smtClean="0"/>
               <a:t>‹#›</a:t>
             </a:fld>
@@ -3003,7 +3003,7 @@
     </p:spTree>
     <p:extLst>
       <p:ext uri="{BB962C8B-B14F-4D97-AF65-F5344CB8AC3E}">
-        <p14:creationId xmlns:p14="http://schemas.microsoft.com/office/powerpoint/2010/main" val="1720145890"/>
+        <p14:creationId xmlns:p14="http://schemas.microsoft.com/office/powerpoint/2010/main" val="3835077356"/>
       </p:ext>
     </p:extLst>
   </p:cSld>
